--- a/code/experiment/fixationscreen/ppts/Slide3C.pptx
+++ b/code/experiment/fixationscreen/ppts/Slide3C.pptx
@@ -106,7 +106,18 @@
   </p:defaultTextStyle>
   <p:extLst>
     <p:ext uri="{EFAFB233-063F-42B5-8137-9DF3F51BA10A}">
-      <p15:sldGuideLst xmlns:p15="http://schemas.microsoft.com/office/powerpoint/2012/main"/>
+      <p15:sldGuideLst xmlns:p15="http://schemas.microsoft.com/office/powerpoint/2012/main">
+        <p15:guide id="1" orient="horz" pos="1368" userDrawn="1">
+          <p15:clr>
+            <a:srgbClr val="A4A3A4"/>
+          </p15:clr>
+        </p15:guide>
+        <p15:guide id="2" pos="576" userDrawn="1">
+          <p15:clr>
+            <a:srgbClr val="A4A3A4"/>
+          </p15:clr>
+        </p15:guide>
+      </p15:sldGuideLst>
     </p:ext>
   </p:extLst>
 </p:presentation>
@@ -259,7 +270,7 @@
           <a:p>
             <a:fld id="{B0182B7D-294A-6648-8D5C-69628A634817}" type="datetimeFigureOut">
               <a:rPr lang="en-US" smtClean="0"/>
-              <a:t>2/16/24</a:t>
+              <a:t>2/19/24</a:t>
             </a:fld>
             <a:endParaRPr lang="en-US"/>
           </a:p>
@@ -457,7 +468,7 @@
           <a:p>
             <a:fld id="{B0182B7D-294A-6648-8D5C-69628A634817}" type="datetimeFigureOut">
               <a:rPr lang="en-US" smtClean="0"/>
-              <a:t>2/16/24</a:t>
+              <a:t>2/19/24</a:t>
             </a:fld>
             <a:endParaRPr lang="en-US"/>
           </a:p>
@@ -665,7 +676,7 @@
           <a:p>
             <a:fld id="{B0182B7D-294A-6648-8D5C-69628A634817}" type="datetimeFigureOut">
               <a:rPr lang="en-US" smtClean="0"/>
-              <a:t>2/16/24</a:t>
+              <a:t>2/19/24</a:t>
             </a:fld>
             <a:endParaRPr lang="en-US"/>
           </a:p>
@@ -863,7 +874,7 @@
           <a:p>
             <a:fld id="{B0182B7D-294A-6648-8D5C-69628A634817}" type="datetimeFigureOut">
               <a:rPr lang="en-US" smtClean="0"/>
-              <a:t>2/16/24</a:t>
+              <a:t>2/19/24</a:t>
             </a:fld>
             <a:endParaRPr lang="en-US"/>
           </a:p>
@@ -1138,7 +1149,7 @@
           <a:p>
             <a:fld id="{B0182B7D-294A-6648-8D5C-69628A634817}" type="datetimeFigureOut">
               <a:rPr lang="en-US" smtClean="0"/>
-              <a:t>2/16/24</a:t>
+              <a:t>2/19/24</a:t>
             </a:fld>
             <a:endParaRPr lang="en-US"/>
           </a:p>
@@ -1403,7 +1414,7 @@
           <a:p>
             <a:fld id="{B0182B7D-294A-6648-8D5C-69628A634817}" type="datetimeFigureOut">
               <a:rPr lang="en-US" smtClean="0"/>
-              <a:t>2/16/24</a:t>
+              <a:t>2/19/24</a:t>
             </a:fld>
             <a:endParaRPr lang="en-US"/>
           </a:p>
@@ -1815,7 +1826,7 @@
           <a:p>
             <a:fld id="{B0182B7D-294A-6648-8D5C-69628A634817}" type="datetimeFigureOut">
               <a:rPr lang="en-US" smtClean="0"/>
-              <a:t>2/16/24</a:t>
+              <a:t>2/19/24</a:t>
             </a:fld>
             <a:endParaRPr lang="en-US"/>
           </a:p>
@@ -1956,7 +1967,7 @@
           <a:p>
             <a:fld id="{B0182B7D-294A-6648-8D5C-69628A634817}" type="datetimeFigureOut">
               <a:rPr lang="en-US" smtClean="0"/>
-              <a:t>2/16/24</a:t>
+              <a:t>2/19/24</a:t>
             </a:fld>
             <a:endParaRPr lang="en-US"/>
           </a:p>
@@ -2069,7 +2080,7 @@
           <a:p>
             <a:fld id="{B0182B7D-294A-6648-8D5C-69628A634817}" type="datetimeFigureOut">
               <a:rPr lang="en-US" smtClean="0"/>
-              <a:t>2/16/24</a:t>
+              <a:t>2/19/24</a:t>
             </a:fld>
             <a:endParaRPr lang="en-US"/>
           </a:p>
@@ -2380,7 +2391,7 @@
           <a:p>
             <a:fld id="{B0182B7D-294A-6648-8D5C-69628A634817}" type="datetimeFigureOut">
               <a:rPr lang="en-US" smtClean="0"/>
-              <a:t>2/16/24</a:t>
+              <a:t>2/19/24</a:t>
             </a:fld>
             <a:endParaRPr lang="en-US"/>
           </a:p>
@@ -2668,7 +2679,7 @@
           <a:p>
             <a:fld id="{B0182B7D-294A-6648-8D5C-69628A634817}" type="datetimeFigureOut">
               <a:rPr lang="en-US" smtClean="0"/>
-              <a:t>2/16/24</a:t>
+              <a:t>2/19/24</a:t>
             </a:fld>
             <a:endParaRPr lang="en-US"/>
           </a:p>
@@ -2909,7 +2920,7 @@
           <a:p>
             <a:fld id="{B0182B7D-294A-6648-8D5C-69628A634817}" type="datetimeFigureOut">
               <a:rPr lang="en-US" smtClean="0"/>
-              <a:t>2/16/24</a:t>
+              <a:t>2/19/24</a:t>
             </a:fld>
             <a:endParaRPr lang="en-US"/>
           </a:p>
@@ -3348,7 +3359,7 @@
         </p:blipFill>
         <p:spPr>
           <a:xfrm>
-            <a:off x="869229" y="2566090"/>
+            <a:off x="914400" y="2171700"/>
             <a:ext cx="10453541" cy="3960814"/>
           </a:xfrm>
           <a:prstGeom prst="rect">
@@ -3384,6 +3395,11 @@
           </a:bodyPr>
           <a:lstStyle/>
           <a:p>
+            <a:pPr>
+              <a:tabLst>
+                <a:tab pos="5024438" algn="l"/>
+              </a:tabLst>
+            </a:pPr>
             <a:r>
               <a:rPr lang="en-US" sz="2400" dirty="0"/>
               <a:t>You have successfully completed another 100 trials!</a:t>
@@ -3432,7 +3448,7 @@
         </p:nvSpPr>
         <p:spPr>
           <a:xfrm>
-            <a:off x="4300917" y="4419928"/>
+            <a:off x="4350274" y="4033848"/>
             <a:ext cx="631180" cy="594764"/>
           </a:xfrm>
           <a:prstGeom prst="roundRect">
